--- a/Proper Serial Port Communications.pptx
+++ b/Proper Serial Port Communications.pptx
@@ -5,20 +5,22 @@
     <p:sldMasterId id="2147483660" r:id="rId1"/>
   </p:sldMasterIdLst>
   <p:notesMasterIdLst>
-    <p:notesMasterId r:id="rId13"/>
+    <p:notesMasterId r:id="rId15"/>
   </p:notesMasterIdLst>
   <p:sldIdLst>
     <p:sldId id="256" r:id="rId2"/>
     <p:sldId id="257" r:id="rId3"/>
     <p:sldId id="258" r:id="rId4"/>
-    <p:sldId id="259" r:id="rId5"/>
-    <p:sldId id="260" r:id="rId6"/>
-    <p:sldId id="261" r:id="rId7"/>
-    <p:sldId id="262" r:id="rId8"/>
-    <p:sldId id="263" r:id="rId9"/>
-    <p:sldId id="264" r:id="rId10"/>
-    <p:sldId id="265" r:id="rId11"/>
-    <p:sldId id="266" r:id="rId12"/>
+    <p:sldId id="267" r:id="rId5"/>
+    <p:sldId id="259" r:id="rId6"/>
+    <p:sldId id="260" r:id="rId7"/>
+    <p:sldId id="261" r:id="rId8"/>
+    <p:sldId id="262" r:id="rId9"/>
+    <p:sldId id="263" r:id="rId10"/>
+    <p:sldId id="268" r:id="rId11"/>
+    <p:sldId id="264" r:id="rId12"/>
+    <p:sldId id="265" r:id="rId13"/>
+    <p:sldId id="266" r:id="rId14"/>
   </p:sldIdLst>
   <p:sldSz cx="12192000" cy="6858000"/>
   <p:notesSz cx="6858000" cy="9144000"/>
@@ -207,7 +209,7 @@
           <a:p>
             <a:fld id="{8E6C52A1-FBCB-45F0-898E-03FA34CB9804}" type="datetimeFigureOut">
               <a:rPr lang="en-US" smtClean="0"/>
-              <a:t>5/10/2020</a:t>
+              <a:t>5/19/2020</a:t>
             </a:fld>
             <a:endParaRPr lang="en-US"/>
           </a:p>
@@ -627,7 +629,7 @@
             </a:pPr>
             <a:r>
               <a:rPr lang="en-US" baseline="0" dirty="0" smtClean="0"/>
-              <a:t>Have a race condition due to the Wait and the Bytes At Port</a:t>
+              <a:t>Have a race condition with the instrument due to the Wait and the Bytes At Port</a:t>
             </a:r>
             <a:endParaRPr lang="en-US" dirty="0"/>
           </a:p>
@@ -778,7 +780,7 @@
           <a:p>
             <a:fld id="{D9A8B5FC-AC7E-4A79-A756-9876753494B2}" type="slidenum">
               <a:rPr lang="en-US" smtClean="0"/>
-              <a:t>4</a:t>
+              <a:t>5</a:t>
             </a:fld>
             <a:endParaRPr lang="en-US"/>
           </a:p>
@@ -2556,10 +2558,9 @@
           <a:lstStyle/>
           <a:p>
             <a:r>
-              <a:rPr lang="en-US" dirty="0" smtClean="0"/>
-              <a:t>Serial Communications</a:t>
-            </a:r>
-            <a:endParaRPr lang="en-US" dirty="0"/>
+              <a:rPr lang="en-US" dirty="0"/>
+              <a:t>Data Format - ASCII</a:t>
+            </a:r>
           </a:p>
         </p:txBody>
       </p:sp>
@@ -2596,7 +2597,7 @@
     </p:spTree>
     <p:extLst>
       <p:ext uri="{BB962C8B-B14F-4D97-AF65-F5344CB8AC3E}">
-        <p14:creationId xmlns:p14="http://schemas.microsoft.com/office/powerpoint/2010/main" val="2673051691"/>
+        <p14:creationId xmlns:p14="http://schemas.microsoft.com/office/powerpoint/2010/main" val="511420405"/>
       </p:ext>
     </p:extLst>
   </p:cSld>
@@ -2647,9 +2648,176 @@
           <a:p>
             <a:r>
               <a:rPr lang="en-US" dirty="0" smtClean="0"/>
-              <a:t>Serial Communications</a:t>
+              <a:t>Data Format – Raw/Binary/Hex</a:t>
             </a:r>
             <a:endParaRPr lang="en-US" dirty="0"/>
+          </a:p>
+        </p:txBody>
+      </p:sp>
+      <p:sp>
+        <p:nvSpPr>
+          <p:cNvPr id="3" name="Content Placeholder 2"/>
+          <p:cNvSpPr>
+            <a:spLocks noGrp="1"/>
+          </p:cNvSpPr>
+          <p:nvPr>
+            <p:ph idx="1"/>
+          </p:nvPr>
+        </p:nvSpPr>
+        <p:spPr>
+          <a:xfrm>
+            <a:off x="1097280" y="1737359"/>
+            <a:ext cx="10058400" cy="4585381"/>
+          </a:xfrm>
+        </p:spPr>
+        <p:txBody>
+          <a:bodyPr/>
+          <a:lstStyle/>
+          <a:p>
+            <a:pPr>
+              <a:buFont typeface="Arial" panose="020B0604020202020204" pitchFamily="34" charset="0"/>
+              <a:buChar char="•"/>
+            </a:pPr>
+            <a:r>
+              <a:rPr lang="en-US" dirty="0" smtClean="0"/>
+              <a:t>You need a hex editor/viewer to understand</a:t>
+            </a:r>
+          </a:p>
+          <a:p>
+            <a:pPr>
+              <a:buFont typeface="Arial" panose="020B0604020202020204" pitchFamily="34" charset="0"/>
+              <a:buChar char="•"/>
+            </a:pPr>
+            <a:r>
+              <a:rPr lang="en-US" dirty="0" smtClean="0"/>
+              <a:t>The data protocol is essential to read the data properly</a:t>
+            </a:r>
+          </a:p>
+          <a:p>
+            <a:pPr>
+              <a:buFont typeface="Arial" panose="020B0604020202020204" pitchFamily="34" charset="0"/>
+              <a:buChar char="•"/>
+            </a:pPr>
+            <a:r>
+              <a:rPr lang="en-US" dirty="0" smtClean="0"/>
+              <a:t>Typical message frame:</a:t>
+            </a:r>
+          </a:p>
+          <a:p>
+            <a:pPr marL="457200" indent="-457200">
+              <a:buFont typeface="+mj-lt"/>
+              <a:buAutoNum type="arabicPeriod"/>
+            </a:pPr>
+            <a:r>
+              <a:rPr lang="en-US" dirty="0" smtClean="0"/>
+              <a:t>Start Byte – commonly 0x02 (Start of Text)</a:t>
+            </a:r>
+          </a:p>
+          <a:p>
+            <a:pPr marL="457200" indent="-457200">
+              <a:buFont typeface="+mj-lt"/>
+              <a:buAutoNum type="arabicPeriod"/>
+            </a:pPr>
+            <a:r>
+              <a:rPr lang="en-US" dirty="0" smtClean="0"/>
+              <a:t>Message ID – way to identify what the message is</a:t>
+            </a:r>
+          </a:p>
+          <a:p>
+            <a:pPr marL="457200" indent="-457200">
+              <a:buFont typeface="+mj-lt"/>
+              <a:buAutoNum type="arabicPeriod"/>
+            </a:pPr>
+            <a:r>
+              <a:rPr lang="en-US" dirty="0" smtClean="0"/>
+              <a:t>Data Size – number of bytes in the data, may also be defined by Message ID</a:t>
+            </a:r>
+          </a:p>
+          <a:p>
+            <a:pPr marL="457200" indent="-457200">
+              <a:buFont typeface="+mj-lt"/>
+              <a:buAutoNum type="arabicPeriod"/>
+            </a:pPr>
+            <a:r>
+              <a:rPr lang="en-US" dirty="0" smtClean="0"/>
+              <a:t>Data – to be interpreted based on Message ID</a:t>
+            </a:r>
+          </a:p>
+          <a:p>
+            <a:pPr marL="457200" indent="-457200">
+              <a:buFont typeface="+mj-lt"/>
+              <a:buAutoNum type="arabicPeriod"/>
+            </a:pPr>
+            <a:r>
+              <a:rPr lang="en-US" dirty="0" smtClean="0"/>
+              <a:t>Checksum or CRC – ensure data was correct</a:t>
+            </a:r>
+          </a:p>
+          <a:p>
+            <a:pPr marL="457200" indent="-457200">
+              <a:buFont typeface="+mj-lt"/>
+              <a:buAutoNum type="arabicPeriod"/>
+            </a:pPr>
+            <a:endParaRPr lang="en-US" dirty="0" smtClean="0"/>
+          </a:p>
+        </p:txBody>
+      </p:sp>
+    </p:spTree>
+    <p:extLst>
+      <p:ext uri="{BB962C8B-B14F-4D97-AF65-F5344CB8AC3E}">
+        <p14:creationId xmlns:p14="http://schemas.microsoft.com/office/powerpoint/2010/main" val="3463936242"/>
+      </p:ext>
+    </p:extLst>
+  </p:cSld>
+  <p:clrMapOvr>
+    <a:masterClrMapping/>
+  </p:clrMapOvr>
+  <p:timing>
+    <p:tnLst>
+      <p:par>
+        <p:cTn id="1" dur="indefinite" restart="never" nodeType="tmRoot"/>
+      </p:par>
+    </p:tnLst>
+  </p:timing>
+</p:sld>
+</file>
+
+<file path=ppt/slides/slide12.xml><?xml version="1.0" encoding="utf-8"?>
+<p:sld xmlns:a="http://schemas.openxmlformats.org/drawingml/2006/main" xmlns:r="http://schemas.openxmlformats.org/officeDocument/2006/relationships" xmlns:p="http://schemas.openxmlformats.org/presentationml/2006/main">
+  <p:cSld>
+    <p:spTree>
+      <p:nvGrpSpPr>
+        <p:cNvPr id="1" name=""/>
+        <p:cNvGrpSpPr/>
+        <p:nvPr/>
+      </p:nvGrpSpPr>
+      <p:grpSpPr>
+        <a:xfrm>
+          <a:off x="0" y="0"/>
+          <a:ext cx="0" cy="0"/>
+          <a:chOff x="0" y="0"/>
+          <a:chExt cx="0" cy="0"/>
+        </a:xfrm>
+      </p:grpSpPr>
+      <p:sp>
+        <p:nvSpPr>
+          <p:cNvPr id="2" name="Title 1"/>
+          <p:cNvSpPr>
+            <a:spLocks noGrp="1"/>
+          </p:cNvSpPr>
+          <p:nvPr>
+            <p:ph type="title"/>
+          </p:nvPr>
+        </p:nvSpPr>
+        <p:spPr/>
+        <p:txBody>
+          <a:bodyPr/>
+          <a:lstStyle/>
+          <a:p>
+            <a:r>
+              <a:rPr lang="en-US" dirty="0"/>
+              <a:t>Data Format – Raw/Binary/Hex</a:t>
+            </a:r>
           </a:p>
         </p:txBody>
       </p:sp>
@@ -2676,10 +2844,150 @@
           <a:lstStyle/>
           <a:p>
             <a:r>
+              <a:rPr lang="en-US" sz="23900" dirty="0" smtClean="0"/>
+              <a:t>CODE</a:t>
+            </a:r>
+            <a:endParaRPr lang="en-US" sz="23900" dirty="0"/>
+          </a:p>
+        </p:txBody>
+      </p:sp>
+      <p:pic>
+        <p:nvPicPr>
+          <p:cNvPr id="4" name="Picture 3"/>
+          <p:cNvPicPr>
+            <a:picLocks noChangeAspect="1"/>
+          </p:cNvPicPr>
+          <p:nvPr/>
+        </p:nvPicPr>
+        <p:blipFill>
+          <a:blip r:embed="rId2"/>
+          <a:stretch>
+            <a:fillRect/>
+          </a:stretch>
+        </p:blipFill>
+        <p:spPr>
+          <a:xfrm>
+            <a:off x="1850460" y="4434297"/>
+            <a:ext cx="8552039" cy="1888444"/>
+          </a:xfrm>
+          <a:prstGeom prst="rect">
+            <a:avLst/>
+          </a:prstGeom>
+        </p:spPr>
+      </p:pic>
+    </p:spTree>
+    <p:extLst>
+      <p:ext uri="{BB962C8B-B14F-4D97-AF65-F5344CB8AC3E}">
+        <p14:creationId xmlns:p14="http://schemas.microsoft.com/office/powerpoint/2010/main" val="2673051691"/>
+      </p:ext>
+    </p:extLst>
+  </p:cSld>
+  <p:clrMapOvr>
+    <a:masterClrMapping/>
+  </p:clrMapOvr>
+  <p:timing>
+    <p:tnLst>
+      <p:par>
+        <p:cTn id="1" dur="indefinite" restart="never" nodeType="tmRoot"/>
+      </p:par>
+    </p:tnLst>
+  </p:timing>
+</p:sld>
+</file>
+
+<file path=ppt/slides/slide13.xml><?xml version="1.0" encoding="utf-8"?>
+<p:sld xmlns:a="http://schemas.openxmlformats.org/drawingml/2006/main" xmlns:r="http://schemas.openxmlformats.org/officeDocument/2006/relationships" xmlns:p="http://schemas.openxmlformats.org/presentationml/2006/main">
+  <p:cSld>
+    <p:spTree>
+      <p:nvGrpSpPr>
+        <p:cNvPr id="1" name=""/>
+        <p:cNvGrpSpPr/>
+        <p:nvPr/>
+      </p:nvGrpSpPr>
+      <p:grpSpPr>
+        <a:xfrm>
+          <a:off x="0" y="0"/>
+          <a:ext cx="0" cy="0"/>
+          <a:chOff x="0" y="0"/>
+          <a:chExt cx="0" cy="0"/>
+        </a:xfrm>
+      </p:grpSpPr>
+      <p:sp>
+        <p:nvSpPr>
+          <p:cNvPr id="2" name="Title 1"/>
+          <p:cNvSpPr>
+            <a:spLocks noGrp="1"/>
+          </p:cNvSpPr>
+          <p:nvPr>
+            <p:ph type="title"/>
+          </p:nvPr>
+        </p:nvSpPr>
+        <p:spPr/>
+        <p:txBody>
+          <a:bodyPr/>
+          <a:lstStyle/>
+          <a:p>
+            <a:r>
+              <a:rPr lang="en-US" dirty="0" smtClean="0"/>
+              <a:t>Serial Communications</a:t>
+            </a:r>
+            <a:endParaRPr lang="en-US" dirty="0"/>
+          </a:p>
+        </p:txBody>
+      </p:sp>
+      <p:sp>
+        <p:nvSpPr>
+          <p:cNvPr id="3" name="Content Placeholder 2"/>
+          <p:cNvSpPr>
+            <a:spLocks noGrp="1"/>
+          </p:cNvSpPr>
+          <p:nvPr>
+            <p:ph idx="1"/>
+          </p:nvPr>
+        </p:nvSpPr>
+        <p:spPr>
+          <a:xfrm>
+            <a:off x="1097279" y="1737361"/>
+            <a:ext cx="10923735" cy="4585380"/>
+          </a:xfrm>
+        </p:spPr>
+        <p:txBody>
+          <a:bodyPr>
+            <a:noAutofit/>
+          </a:bodyPr>
+          <a:lstStyle/>
+          <a:p>
+            <a:r>
               <a:rPr lang="en-US" sz="16600" dirty="0" smtClean="0"/>
               <a:t>Questions?</a:t>
             </a:r>
-            <a:endParaRPr lang="en-US" sz="16600" dirty="0"/>
+          </a:p>
+          <a:p>
+            <a:endParaRPr lang="en-US" dirty="0" smtClean="0"/>
+          </a:p>
+          <a:p>
+            <a:r>
+              <a:rPr lang="en-US" dirty="0">
+                <a:hlinkClick r:id="rId2"/>
+              </a:rPr>
+              <a:t>https://</a:t>
+            </a:r>
+            <a:r>
+              <a:rPr lang="en-US" dirty="0" smtClean="0">
+                <a:hlinkClick r:id="rId2"/>
+              </a:rPr>
+              <a:t>github.com/crossrulz/SerialPortNuggets</a:t>
+            </a:r>
+            <a:endParaRPr lang="en-US" dirty="0" smtClean="0"/>
+          </a:p>
+          <a:p>
+            <a:r>
+              <a:rPr lang="en-US" dirty="0" smtClean="0">
+                <a:hlinkClick r:id="rId3"/>
+              </a:rPr>
+              <a:t>https://labviewwiki.org/wiki/VIWeek</a:t>
+            </a:r>
+            <a:endParaRPr lang="en-US" dirty="0"/>
           </a:p>
         </p:txBody>
       </p:sp>
@@ -2812,6 +3120,18 @@
               </a:rPr>
               <a:t>http://www.linkedin.com/in/crossrulz</a:t>
             </a:r>
+            <a:endParaRPr lang="en-US" dirty="0" smtClean="0"/>
+          </a:p>
+          <a:p>
+            <a:pPr marL="0" indent="0">
+              <a:buNone/>
+            </a:pPr>
+            <a:r>
+              <a:rPr lang="en-US" dirty="0">
+                <a:hlinkClick r:id="rId4"/>
+              </a:rPr>
+              <a:t>https://github.com/crossrulz/SerialPortNuggets</a:t>
+            </a:r>
             <a:endParaRPr lang="en-US" dirty="0"/>
           </a:p>
         </p:txBody>
@@ -2825,7 +3145,7 @@
           <p:nvPr/>
         </p:nvPicPr>
         <p:blipFill>
-          <a:blip r:embed="rId4">
+          <a:blip r:embed="rId5">
             <a:extLst>
               <a:ext uri="{28A0092B-C50C-407E-A947-70E740481C1C}">
                 <a14:useLocalDpi xmlns:a14="http://schemas.microsoft.com/office/drawing/2010/main" val="0"/>
@@ -2855,7 +3175,7 @@
           <p:nvPr/>
         </p:nvPicPr>
         <p:blipFill>
-          <a:blip r:embed="rId5">
+          <a:blip r:embed="rId6">
             <a:extLst>
               <a:ext uri="{28A0092B-C50C-407E-A947-70E740481C1C}">
                 <a14:useLocalDpi xmlns:a14="http://schemas.microsoft.com/office/drawing/2010/main" val="0"/>
@@ -2885,7 +3205,7 @@
           <p:nvPr/>
         </p:nvPicPr>
         <p:blipFill>
-          <a:blip r:embed="rId6">
+          <a:blip r:embed="rId7">
             <a:extLst>
               <a:ext uri="{28A0092B-C50C-407E-A947-70E740481C1C}">
                 <a14:useLocalDpi xmlns:a14="http://schemas.microsoft.com/office/drawing/2010/main" val="0"/>
@@ -3032,6 +3352,173 @@
           <a:chExt cx="0" cy="0"/>
         </a:xfrm>
       </p:grpSpPr>
+      <p:pic>
+        <p:nvPicPr>
+          <p:cNvPr id="6" name="Picture 5"/>
+          <p:cNvPicPr>
+            <a:picLocks noChangeAspect="1"/>
+          </p:cNvPicPr>
+          <p:nvPr/>
+        </p:nvPicPr>
+        <p:blipFill>
+          <a:blip r:embed="rId2"/>
+          <a:stretch>
+            <a:fillRect/>
+          </a:stretch>
+        </p:blipFill>
+        <p:spPr>
+          <a:xfrm>
+            <a:off x="3247502" y="1066841"/>
+            <a:ext cx="8936382" cy="4174231"/>
+          </a:xfrm>
+          <a:prstGeom prst="rect">
+            <a:avLst/>
+          </a:prstGeom>
+        </p:spPr>
+      </p:pic>
+      <p:pic>
+        <p:nvPicPr>
+          <p:cNvPr id="7" name="Picture 6"/>
+          <p:cNvPicPr>
+            <a:picLocks noChangeAspect="1"/>
+          </p:cNvPicPr>
+          <p:nvPr/>
+        </p:nvPicPr>
+        <p:blipFill>
+          <a:blip r:embed="rId3"/>
+          <a:stretch>
+            <a:fillRect/>
+          </a:stretch>
+        </p:blipFill>
+        <p:spPr>
+          <a:xfrm>
+            <a:off x="-1" y="464677"/>
+            <a:ext cx="3247503" cy="3527460"/>
+          </a:xfrm>
+          <a:prstGeom prst="rect">
+            <a:avLst/>
+          </a:prstGeom>
+        </p:spPr>
+      </p:pic>
+      <p:sp>
+        <p:nvSpPr>
+          <p:cNvPr id="8" name="Rectangle 7"/>
+          <p:cNvSpPr/>
+          <p:nvPr/>
+        </p:nvSpPr>
+        <p:spPr>
+          <a:xfrm>
+            <a:off x="3423424" y="2943922"/>
+            <a:ext cx="8240752" cy="1048215"/>
+          </a:xfrm>
+          <a:prstGeom prst="rect">
+            <a:avLst/>
+          </a:prstGeom>
+          <a:noFill/>
+          <a:ln w="19050">
+            <a:solidFill>
+              <a:srgbClr val="FF0000"/>
+            </a:solidFill>
+          </a:ln>
+        </p:spPr>
+        <p:style>
+          <a:lnRef idx="2">
+            <a:schemeClr val="accent1">
+              <a:shade val="50000"/>
+            </a:schemeClr>
+          </a:lnRef>
+          <a:fillRef idx="1">
+            <a:schemeClr val="accent1"/>
+          </a:fillRef>
+          <a:effectRef idx="0">
+            <a:schemeClr val="accent1"/>
+          </a:effectRef>
+          <a:fontRef idx="minor">
+            <a:schemeClr val="lt1"/>
+          </a:fontRef>
+        </p:style>
+        <p:txBody>
+          <a:bodyPr rtlCol="0" anchor="ctr"/>
+          <a:lstStyle/>
+          <a:p>
+            <a:pPr algn="ctr"/>
+            <a:endParaRPr lang="en-US"/>
+          </a:p>
+        </p:txBody>
+      </p:sp>
+      <p:cxnSp>
+        <p:nvCxnSpPr>
+          <p:cNvPr id="10" name="Straight Arrow Connector 9"/>
+          <p:cNvCxnSpPr/>
+          <p:nvPr/>
+        </p:nvCxnSpPr>
+        <p:spPr>
+          <a:xfrm>
+            <a:off x="1465136" y="3757961"/>
+            <a:ext cx="1947137" cy="22303"/>
+          </a:xfrm>
+          <a:prstGeom prst="straightConnector1">
+            <a:avLst/>
+          </a:prstGeom>
+          <a:ln w="19050">
+            <a:solidFill>
+              <a:srgbClr val="FF0000"/>
+            </a:solidFill>
+            <a:tailEnd type="triangle"/>
+          </a:ln>
+        </p:spPr>
+        <p:style>
+          <a:lnRef idx="1">
+            <a:schemeClr val="accent1"/>
+          </a:lnRef>
+          <a:fillRef idx="0">
+            <a:schemeClr val="accent1"/>
+          </a:fillRef>
+          <a:effectRef idx="0">
+            <a:schemeClr val="accent1"/>
+          </a:effectRef>
+          <a:fontRef idx="minor">
+            <a:schemeClr val="tx1"/>
+          </a:fontRef>
+        </p:style>
+      </p:cxnSp>
+    </p:spTree>
+    <p:extLst>
+      <p:ext uri="{BB962C8B-B14F-4D97-AF65-F5344CB8AC3E}">
+        <p14:creationId xmlns:p14="http://schemas.microsoft.com/office/powerpoint/2010/main" val="3769814913"/>
+      </p:ext>
+    </p:extLst>
+  </p:cSld>
+  <p:clrMapOvr>
+    <a:masterClrMapping/>
+  </p:clrMapOvr>
+  <p:timing>
+    <p:tnLst>
+      <p:par>
+        <p:cTn id="1" dur="indefinite" restart="never" nodeType="tmRoot"/>
+      </p:par>
+    </p:tnLst>
+  </p:timing>
+</p:sld>
+</file>
+
+<file path=ppt/slides/slide5.xml><?xml version="1.0" encoding="utf-8"?>
+<p:sld xmlns:a="http://schemas.openxmlformats.org/drawingml/2006/main" xmlns:r="http://schemas.openxmlformats.org/officeDocument/2006/relationships" xmlns:p="http://schemas.openxmlformats.org/presentationml/2006/main">
+  <p:cSld>
+    <p:spTree>
+      <p:nvGrpSpPr>
+        <p:cNvPr id="1" name=""/>
+        <p:cNvGrpSpPr/>
+        <p:nvPr/>
+      </p:nvGrpSpPr>
+      <p:grpSpPr>
+        <a:xfrm>
+          <a:off x="0" y="0"/>
+          <a:ext cx="0" cy="0"/>
+          <a:chOff x="0" y="0"/>
+          <a:chExt cx="0" cy="0"/>
+        </a:xfrm>
+      </p:grpSpPr>
       <p:sp>
         <p:nvSpPr>
           <p:cNvPr id="2" name="Title 1"/>
@@ -3104,7 +3591,7 @@
 </p:sld>
 </file>
 
-<file path=ppt/slides/slide5.xml><?xml version="1.0" encoding="utf-8"?>
+<file path=ppt/slides/slide6.xml><?xml version="1.0" encoding="utf-8"?>
 <p:sld xmlns:a="http://schemas.openxmlformats.org/drawingml/2006/main" xmlns:r="http://schemas.openxmlformats.org/officeDocument/2006/relationships" xmlns:p="http://schemas.openxmlformats.org/presentationml/2006/main">
   <p:cSld>
     <p:spTree>
@@ -3562,246 +4049,6 @@
 </p:sld>
 </file>
 
-<file path=ppt/slides/slide6.xml><?xml version="1.0" encoding="utf-8"?>
-<p:sld xmlns:a="http://schemas.openxmlformats.org/drawingml/2006/main" xmlns:r="http://schemas.openxmlformats.org/officeDocument/2006/relationships" xmlns:p="http://schemas.openxmlformats.org/presentationml/2006/main">
-  <p:cSld>
-    <p:spTree>
-      <p:nvGrpSpPr>
-        <p:cNvPr id="1" name=""/>
-        <p:cNvGrpSpPr/>
-        <p:nvPr/>
-      </p:nvGrpSpPr>
-      <p:grpSpPr>
-        <a:xfrm>
-          <a:off x="0" y="0"/>
-          <a:ext cx="0" cy="0"/>
-          <a:chOff x="0" y="0"/>
-          <a:chExt cx="0" cy="0"/>
-        </a:xfrm>
-      </p:grpSpPr>
-      <p:sp>
-        <p:nvSpPr>
-          <p:cNvPr id="2" name="Title 1"/>
-          <p:cNvSpPr>
-            <a:spLocks noGrp="1"/>
-          </p:cNvSpPr>
-          <p:nvPr>
-            <p:ph type="title"/>
-          </p:nvPr>
-        </p:nvSpPr>
-        <p:spPr/>
-        <p:txBody>
-          <a:bodyPr/>
-          <a:lstStyle/>
-          <a:p>
-            <a:r>
-              <a:rPr lang="en-US" dirty="0" smtClean="0"/>
-              <a:t>When</a:t>
-            </a:r>
-            <a:endParaRPr lang="en-US" dirty="0"/>
-          </a:p>
-        </p:txBody>
-      </p:sp>
-      <p:sp>
-        <p:nvSpPr>
-          <p:cNvPr id="6" name="Content Placeholder 5"/>
-          <p:cNvSpPr>
-            <a:spLocks noGrp="1"/>
-          </p:cNvSpPr>
-          <p:nvPr>
-            <p:ph idx="1"/>
-          </p:nvPr>
-        </p:nvSpPr>
-        <p:spPr>
-          <a:xfrm>
-            <a:off x="1097280" y="1737360"/>
-            <a:ext cx="10845676" cy="4607683"/>
-          </a:xfrm>
-        </p:spPr>
-        <p:txBody>
-          <a:bodyPr>
-            <a:normAutofit/>
-          </a:bodyPr>
-          <a:lstStyle/>
-          <a:p>
-            <a:pPr>
-              <a:buFont typeface="Arial" panose="020B0604020202020204" pitchFamily="34" charset="0"/>
-              <a:buChar char="•"/>
-            </a:pPr>
-            <a:r>
-              <a:rPr lang="en-US" dirty="0" smtClean="0"/>
-              <a:t>Response</a:t>
-            </a:r>
-          </a:p>
-          <a:p>
-            <a:pPr lvl="1">
-              <a:buFont typeface="Arial" panose="020B0604020202020204" pitchFamily="34" charset="0"/>
-              <a:buChar char="•"/>
-            </a:pPr>
-            <a:r>
-              <a:rPr lang="en-US" dirty="0"/>
-              <a:t>Only sends data when requested</a:t>
-            </a:r>
-            <a:endParaRPr lang="en-US" dirty="0" smtClean="0"/>
-          </a:p>
-          <a:p>
-            <a:pPr lvl="1">
-              <a:buFont typeface="Arial" panose="020B0604020202020204" pitchFamily="34" charset="0"/>
-              <a:buChar char="•"/>
-            </a:pPr>
-            <a:r>
-              <a:rPr lang="en-US" dirty="0" smtClean="0"/>
-              <a:t>Most bench instruments (DMM, Oscilloscope, Power Supply, </a:t>
-            </a:r>
-            <a:r>
-              <a:rPr lang="en-US" dirty="0" err="1" smtClean="0"/>
-              <a:t>etc</a:t>
-            </a:r>
-            <a:r>
-              <a:rPr lang="en-US" dirty="0" smtClean="0"/>
-              <a:t>)</a:t>
-            </a:r>
-          </a:p>
-          <a:p>
-            <a:pPr lvl="1">
-              <a:buFont typeface="Arial" panose="020B0604020202020204" pitchFamily="34" charset="0"/>
-              <a:buChar char="•"/>
-            </a:pPr>
-            <a:r>
-              <a:rPr lang="en-US" dirty="0" smtClean="0"/>
-              <a:t>Serial process</a:t>
-            </a:r>
-            <a:endParaRPr lang="en-US" dirty="0"/>
-          </a:p>
-          <a:p>
-            <a:pPr>
-              <a:buFont typeface="Arial" panose="020B0604020202020204" pitchFamily="34" charset="0"/>
-              <a:buChar char="•"/>
-            </a:pPr>
-            <a:r>
-              <a:rPr lang="en-US" dirty="0" smtClean="0"/>
-              <a:t>Stream</a:t>
-            </a:r>
-          </a:p>
-          <a:p>
-            <a:pPr lvl="1">
-              <a:buFont typeface="Arial" panose="020B0604020202020204" pitchFamily="34" charset="0"/>
-              <a:buChar char="•"/>
-            </a:pPr>
-            <a:r>
-              <a:rPr lang="en-US" dirty="0"/>
-              <a:t>Data is constantly sent, typically at a set rate</a:t>
-            </a:r>
-            <a:endParaRPr lang="en-US" dirty="0" smtClean="0"/>
-          </a:p>
-          <a:p>
-            <a:pPr lvl="1">
-              <a:buFont typeface="Arial" panose="020B0604020202020204" pitchFamily="34" charset="0"/>
-              <a:buChar char="•"/>
-            </a:pPr>
-            <a:r>
-              <a:rPr lang="en-US" dirty="0" smtClean="0"/>
-              <a:t>Most home developed devices (Arduino)</a:t>
-            </a:r>
-          </a:p>
-          <a:p>
-            <a:pPr lvl="1">
-              <a:buFont typeface="Arial" panose="020B0604020202020204" pitchFamily="34" charset="0"/>
-              <a:buChar char="•"/>
-            </a:pPr>
-            <a:r>
-              <a:rPr lang="en-US" dirty="0" smtClean="0"/>
-              <a:t>Read must be done in parallel to constantly read data - avoid buffer overflow</a:t>
-            </a:r>
-            <a:endParaRPr lang="en-US" dirty="0"/>
-          </a:p>
-          <a:p>
-            <a:pPr>
-              <a:buFont typeface="Arial" panose="020B0604020202020204" pitchFamily="34" charset="0"/>
-              <a:buChar char="•"/>
-            </a:pPr>
-            <a:r>
-              <a:rPr lang="en-US" dirty="0" smtClean="0"/>
-              <a:t>Intermittent</a:t>
-            </a:r>
-          </a:p>
-          <a:p>
-            <a:pPr lvl="1">
-              <a:buFont typeface="Arial" panose="020B0604020202020204" pitchFamily="34" charset="0"/>
-              <a:buChar char="•"/>
-            </a:pPr>
-            <a:r>
-              <a:rPr lang="en-US" dirty="0"/>
-              <a:t>Data is sent at indeterminate times (ex: on value change, on button </a:t>
-            </a:r>
-            <a:r>
-              <a:rPr lang="en-US" dirty="0" smtClean="0"/>
-              <a:t>press) </a:t>
-            </a:r>
-            <a:r>
-              <a:rPr lang="en-US" dirty="0"/>
-              <a:t>or at a “slow” rate (&gt;1 second)</a:t>
-            </a:r>
-          </a:p>
-          <a:p>
-            <a:pPr lvl="1">
-              <a:buFont typeface="Arial" panose="020B0604020202020204" pitchFamily="34" charset="0"/>
-              <a:buChar char="•"/>
-            </a:pPr>
-            <a:r>
-              <a:rPr lang="en-US" dirty="0" smtClean="0"/>
-              <a:t>Instruments that only care about changes in data</a:t>
-            </a:r>
-          </a:p>
-          <a:p>
-            <a:pPr lvl="1">
-              <a:buFont typeface="Arial" panose="020B0604020202020204" pitchFamily="34" charset="0"/>
-              <a:buChar char="•"/>
-            </a:pPr>
-            <a:r>
-              <a:rPr lang="en-US" dirty="0" smtClean="0"/>
-              <a:t>Similar to stream, but need to handle when no data available</a:t>
-            </a:r>
-          </a:p>
-          <a:p>
-            <a:pPr lvl="1">
-              <a:buFont typeface="Arial" panose="020B0604020202020204" pitchFamily="34" charset="0"/>
-              <a:buChar char="•"/>
-            </a:pPr>
-            <a:r>
-              <a:rPr lang="en-US" dirty="0" smtClean="0"/>
-              <a:t>Can be used for Response and Stream reads</a:t>
-            </a:r>
-          </a:p>
-          <a:p>
-            <a:pPr>
-              <a:buFont typeface="Arial" panose="020B0604020202020204" pitchFamily="34" charset="0"/>
-              <a:buChar char="•"/>
-            </a:pPr>
-            <a:endParaRPr lang="en-US" dirty="0" smtClean="0"/>
-          </a:p>
-        </p:txBody>
-      </p:sp>
-    </p:spTree>
-    <p:extLst>
-      <p:ext uri="{BB962C8B-B14F-4D97-AF65-F5344CB8AC3E}">
-        <p14:creationId xmlns:p14="http://schemas.microsoft.com/office/powerpoint/2010/main" val="3098266524"/>
-      </p:ext>
-    </p:extLst>
-  </p:cSld>
-  <p:clrMapOvr>
-    <a:masterClrMapping/>
-  </p:clrMapOvr>
-  <p:timing>
-    <p:tnLst>
-      <p:par>
-        <p:cTn id="1" dur="indefinite" restart="never" nodeType="tmRoot"/>
-      </p:par>
-    </p:tnLst>
-  </p:timing>
-</p:sld>
-</file>
-
 <file path=ppt/slides/slide7.xml><?xml version="1.0" encoding="utf-8"?>
 <p:sld xmlns:a="http://schemas.openxmlformats.org/drawingml/2006/main" xmlns:r="http://schemas.openxmlformats.org/officeDocument/2006/relationships" xmlns:p="http://schemas.openxmlformats.org/presentationml/2006/main">
   <p:cSld>
@@ -3836,7 +4083,7 @@
           <a:p>
             <a:r>
               <a:rPr lang="en-US" dirty="0" smtClean="0"/>
-              <a:t>Data Format - ASCII</a:t>
+              <a:t>When</a:t>
             </a:r>
             <a:endParaRPr lang="en-US" dirty="0"/>
           </a:p>
@@ -3844,7 +4091,7 @@
       </p:sp>
       <p:sp>
         <p:nvSpPr>
-          <p:cNvPr id="3" name="Content Placeholder 2"/>
+          <p:cNvPr id="6" name="Content Placeholder 5"/>
           <p:cNvSpPr>
             <a:spLocks noGrp="1"/>
           </p:cNvSpPr>
@@ -3854,12 +4101,14 @@
         </p:nvSpPr>
         <p:spPr>
           <a:xfrm>
-            <a:off x="1097280" y="1737359"/>
-            <a:ext cx="10058400" cy="4585381"/>
+            <a:off x="1097280" y="1737360"/>
+            <a:ext cx="10845676" cy="4607683"/>
           </a:xfrm>
         </p:spPr>
         <p:txBody>
-          <a:bodyPr/>
+          <a:bodyPr>
+            <a:normAutofit/>
+          </a:bodyPr>
           <a:lstStyle/>
           <a:p>
             <a:pPr>
@@ -3868,13 +4117,48 @@
             </a:pPr>
             <a:r>
               <a:rPr lang="en-US" dirty="0" smtClean="0"/>
-              <a:t>You </a:t>
-            </a:r>
+              <a:t>Response</a:t>
+            </a:r>
+          </a:p>
+          <a:p>
+            <a:pPr lvl="1">
+              <a:buFont typeface="Arial" panose="020B0604020202020204" pitchFamily="34" charset="0"/>
+              <a:buChar char="•"/>
+            </a:pPr>
             <a:r>
               <a:rPr lang="en-US" dirty="0"/>
-              <a:t>can read all of the data in a simple text editor</a:t>
+              <a:t>Only sends data when requested</a:t>
             </a:r>
             <a:endParaRPr lang="en-US" dirty="0" smtClean="0"/>
+          </a:p>
+          <a:p>
+            <a:pPr lvl="1">
+              <a:buFont typeface="Arial" panose="020B0604020202020204" pitchFamily="34" charset="0"/>
+              <a:buChar char="•"/>
+            </a:pPr>
+            <a:r>
+              <a:rPr lang="en-US" dirty="0" smtClean="0"/>
+              <a:t>Most bench instruments (DMM, Oscilloscope, Power Supply, </a:t>
+            </a:r>
+            <a:r>
+              <a:rPr lang="en-US" dirty="0" err="1" smtClean="0"/>
+              <a:t>etc</a:t>
+            </a:r>
+            <a:r>
+              <a:rPr lang="en-US" dirty="0" smtClean="0"/>
+              <a:t>)</a:t>
+            </a:r>
+          </a:p>
+          <a:p>
+            <a:pPr lvl="1">
+              <a:buFont typeface="Arial" panose="020B0604020202020204" pitchFamily="34" charset="0"/>
+              <a:buChar char="•"/>
+            </a:pPr>
+            <a:r>
+              <a:rPr lang="en-US" dirty="0" smtClean="0"/>
+              <a:t>Serial process</a:t>
+            </a:r>
+            <a:endParaRPr lang="en-US" dirty="0"/>
           </a:p>
           <a:p>
             <a:pPr>
@@ -3883,8 +4167,40 @@
             </a:pPr>
             <a:r>
               <a:rPr lang="en-US" dirty="0" smtClean="0"/>
-              <a:t>SCPI is used by most bench instruments</a:t>
-            </a:r>
+              <a:t>Stream</a:t>
+            </a:r>
+          </a:p>
+          <a:p>
+            <a:pPr lvl="1">
+              <a:buFont typeface="Arial" panose="020B0604020202020204" pitchFamily="34" charset="0"/>
+              <a:buChar char="•"/>
+            </a:pPr>
+            <a:r>
+              <a:rPr lang="en-US" dirty="0"/>
+              <a:t>Data is constantly sent, typically at a set rate</a:t>
+            </a:r>
+            <a:endParaRPr lang="en-US" dirty="0" smtClean="0"/>
+          </a:p>
+          <a:p>
+            <a:pPr lvl="1">
+              <a:buFont typeface="Arial" panose="020B0604020202020204" pitchFamily="34" charset="0"/>
+              <a:buChar char="•"/>
+            </a:pPr>
+            <a:r>
+              <a:rPr lang="en-US" dirty="0" smtClean="0"/>
+              <a:t>Most home developed devices (Arduino)</a:t>
+            </a:r>
+          </a:p>
+          <a:p>
+            <a:pPr lvl="1">
+              <a:buFont typeface="Arial" panose="020B0604020202020204" pitchFamily="34" charset="0"/>
+              <a:buChar char="•"/>
+            </a:pPr>
+            <a:r>
+              <a:rPr lang="en-US" dirty="0" smtClean="0"/>
+              <a:t>Read must be done in parallel to constantly read data - avoid buffer overflow</a:t>
+            </a:r>
+            <a:endParaRPr lang="en-US" dirty="0"/>
           </a:p>
           <a:p>
             <a:pPr>
@@ -3893,11 +4209,7 @@
             </a:pPr>
             <a:r>
               <a:rPr lang="en-US" dirty="0" smtClean="0"/>
-              <a:t>Typically a value followed by a Carriage Return and/or Line Feed – Termination </a:t>
-            </a:r>
-            <a:r>
-              <a:rPr lang="en-US" dirty="0" smtClean="0"/>
-              <a:t>Character</a:t>
+              <a:t>Intermittent</a:t>
             </a:r>
           </a:p>
           <a:p>
@@ -3906,17 +4218,53 @@
               <a:buChar char="•"/>
             </a:pPr>
             <a:r>
+              <a:rPr lang="en-US" dirty="0"/>
+              <a:t>Data is sent at indeterminate times (ex: on value change, on button </a:t>
+            </a:r>
+            <a:r>
               <a:rPr lang="en-US" dirty="0" smtClean="0"/>
-              <a:t>Arduino – use </a:t>
-            </a:r>
-            <a:r>
-              <a:rPr lang="en-US" dirty="0" err="1" smtClean="0"/>
-              <a:t>Serial.println</a:t>
-            </a:r>
+              <a:t>press) </a:t>
+            </a:r>
+            <a:r>
+              <a:rPr lang="en-US" dirty="0"/>
+              <a:t>or at a “slow” rate (&gt;1 second)</a:t>
+            </a:r>
+          </a:p>
+          <a:p>
+            <a:pPr lvl="1">
+              <a:buFont typeface="Arial" panose="020B0604020202020204" pitchFamily="34" charset="0"/>
+              <a:buChar char="•"/>
+            </a:pPr>
             <a:r>
               <a:rPr lang="en-US" dirty="0" smtClean="0"/>
-              <a:t>() to add the termination character</a:t>
-            </a:r>
+              <a:t>Instruments that only care about changes in data</a:t>
+            </a:r>
+          </a:p>
+          <a:p>
+            <a:pPr lvl="1">
+              <a:buFont typeface="Arial" panose="020B0604020202020204" pitchFamily="34" charset="0"/>
+              <a:buChar char="•"/>
+            </a:pPr>
+            <a:r>
+              <a:rPr lang="en-US" dirty="0" smtClean="0"/>
+              <a:t>Similar to stream, but need to handle when no data available</a:t>
+            </a:r>
+          </a:p>
+          <a:p>
+            <a:pPr lvl="1">
+              <a:buFont typeface="Arial" panose="020B0604020202020204" pitchFamily="34" charset="0"/>
+              <a:buChar char="•"/>
+            </a:pPr>
+            <a:r>
+              <a:rPr lang="en-US" dirty="0" smtClean="0"/>
+              <a:t>Can be used for Response and Stream reads</a:t>
+            </a:r>
+          </a:p>
+          <a:p>
+            <a:pPr>
+              <a:buFont typeface="Arial" panose="020B0604020202020204" pitchFamily="34" charset="0"/>
+              <a:buChar char="•"/>
+            </a:pPr>
             <a:endParaRPr lang="en-US" dirty="0" smtClean="0"/>
           </a:p>
         </p:txBody>
@@ -3924,7 +4272,7 @@
     </p:spTree>
     <p:extLst>
       <p:ext uri="{BB962C8B-B14F-4D97-AF65-F5344CB8AC3E}">
-        <p14:creationId xmlns:p14="http://schemas.microsoft.com/office/powerpoint/2010/main" val="3868983741"/>
+        <p14:creationId xmlns:p14="http://schemas.microsoft.com/office/powerpoint/2010/main" val="3098266524"/>
       </p:ext>
     </p:extLst>
   </p:cSld>
@@ -3974,9 +4322,10 @@
           <a:lstStyle/>
           <a:p>
             <a:r>
-              <a:rPr lang="en-US" dirty="0"/>
+              <a:rPr lang="en-US" dirty="0" smtClean="0"/>
               <a:t>Data Format - ASCII</a:t>
             </a:r>
+            <a:endParaRPr lang="en-US" dirty="0"/>
           </a:p>
         </p:txBody>
       </p:sp>
@@ -3992,71 +4341,27 @@
         </p:nvSpPr>
         <p:spPr>
           <a:xfrm>
-            <a:off x="1097280" y="1737361"/>
-            <a:ext cx="10058400" cy="4596532"/>
+            <a:off x="1097280" y="1737359"/>
+            <a:ext cx="10058400" cy="4585381"/>
           </a:xfrm>
         </p:spPr>
         <p:txBody>
           <a:bodyPr/>
           <a:lstStyle/>
           <a:p>
-            <a:pPr marL="0" indent="0">
-              <a:buNone/>
-            </a:pPr>
-            <a:r>
-              <a:rPr lang="en-US" dirty="0" smtClean="0"/>
-              <a:t>VISA Read Stop Conditions – When ANY condition is met</a:t>
-            </a:r>
-          </a:p>
-          <a:p>
-            <a:pPr marL="457200" indent="-457200">
-              <a:buFont typeface="+mj-lt"/>
-              <a:buAutoNum type="arabicPeriod"/>
-            </a:pPr>
-            <a:r>
-              <a:rPr lang="en-US" dirty="0" smtClean="0"/>
-              <a:t>Read the number of bytes commanded to read</a:t>
-            </a:r>
-          </a:p>
-          <a:p>
-            <a:pPr marL="457200" indent="-457200">
-              <a:buFont typeface="+mj-lt"/>
-              <a:buAutoNum type="arabicPeriod"/>
-            </a:pPr>
-            <a:r>
-              <a:rPr lang="en-US" dirty="0" smtClean="0"/>
-              <a:t>The termination character is read (if enabled)</a:t>
-            </a:r>
-          </a:p>
-          <a:p>
-            <a:pPr marL="457200" indent="-457200">
-              <a:buFont typeface="+mj-lt"/>
-              <a:buAutoNum type="arabicPeriod"/>
-            </a:pPr>
-            <a:r>
-              <a:rPr lang="en-US" dirty="0" smtClean="0"/>
-              <a:t>Neither condition is met within the timeout period (default 10 seconds)</a:t>
-            </a:r>
-            <a:endParaRPr lang="en-US" dirty="0"/>
-          </a:p>
-          <a:p>
-            <a:pPr marL="0" indent="0">
-              <a:buNone/>
-            </a:pPr>
-            <a:r>
-              <a:rPr lang="en-US" dirty="0" smtClean="0"/>
-              <a:t>Conclusion:</a:t>
-            </a:r>
-          </a:p>
-          <a:p>
             <a:pPr>
               <a:buFont typeface="Arial" panose="020B0604020202020204" pitchFamily="34" charset="0"/>
               <a:buChar char="•"/>
             </a:pPr>
             <a:r>
+              <a:rPr lang="en-US" dirty="0" smtClean="0"/>
+              <a:t>You </a:t>
+            </a:r>
+            <a:r>
               <a:rPr lang="en-US" dirty="0"/>
-              <a:t>Enable termination character (default on VISA Configure Serial Port)</a:t>
-            </a:r>
+              <a:t>can read all of the data in a simple text editor</a:t>
+            </a:r>
+            <a:endParaRPr lang="en-US" dirty="0" smtClean="0"/>
           </a:p>
           <a:p>
             <a:pPr>
@@ -4064,34 +4369,44 @@
               <a:buChar char="•"/>
             </a:pPr>
             <a:r>
-              <a:rPr lang="en-US" dirty="0"/>
-              <a:t>Read more bytes than you expect in a single message</a:t>
-            </a:r>
-          </a:p>
-          <a:p>
-            <a:pPr marL="0" indent="0">
-              <a:buNone/>
+              <a:rPr lang="en-US" dirty="0" smtClean="0"/>
+              <a:t>SCPI is used by most bench instruments</a:t>
+            </a:r>
+          </a:p>
+          <a:p>
+            <a:pPr>
+              <a:buFont typeface="Arial" panose="020B0604020202020204" pitchFamily="34" charset="0"/>
+              <a:buChar char="•"/>
             </a:pPr>
-            <a:endParaRPr lang="en-US" dirty="0" smtClean="0"/>
-          </a:p>
-          <a:p>
-            <a:pPr marL="0" indent="0">
-              <a:buNone/>
+            <a:r>
+              <a:rPr lang="en-US" dirty="0" smtClean="0"/>
+              <a:t>Typically a value followed by a Carriage Return and/or Line Feed – Termination Character</a:t>
+            </a:r>
+          </a:p>
+          <a:p>
+            <a:pPr lvl="1">
+              <a:buFont typeface="Arial" panose="020B0604020202020204" pitchFamily="34" charset="0"/>
+              <a:buChar char="•"/>
             </a:pPr>
-            <a:endParaRPr lang="en-US" dirty="0" smtClean="0"/>
-          </a:p>
-          <a:p>
-            <a:pPr marL="0" indent="0">
-              <a:buNone/>
-            </a:pPr>
-            <a:endParaRPr lang="en-US" dirty="0"/>
+            <a:r>
+              <a:rPr lang="en-US" dirty="0" smtClean="0"/>
+              <a:t>Arduino – use </a:t>
+            </a:r>
+            <a:r>
+              <a:rPr lang="en-US" dirty="0" err="1" smtClean="0"/>
+              <a:t>Serial.println</a:t>
+            </a:r>
+            <a:r>
+              <a:rPr lang="en-US" dirty="0" smtClean="0"/>
+              <a:t>() to add the termination character</a:t>
+            </a:r>
           </a:p>
         </p:txBody>
       </p:sp>
     </p:spTree>
     <p:extLst>
       <p:ext uri="{BB962C8B-B14F-4D97-AF65-F5344CB8AC3E}">
-        <p14:creationId xmlns:p14="http://schemas.microsoft.com/office/powerpoint/2010/main" val="3646357881"/>
+        <p14:creationId xmlns:p14="http://schemas.microsoft.com/office/powerpoint/2010/main" val="3868983741"/>
       </p:ext>
     </p:extLst>
   </p:cSld>
@@ -4141,10 +4456,9 @@
           <a:lstStyle/>
           <a:p>
             <a:r>
-              <a:rPr lang="en-US" dirty="0" smtClean="0"/>
-              <a:t>Data Format – Raw/Binary/Hex</a:t>
-            </a:r>
-            <a:endParaRPr lang="en-US" dirty="0"/>
+              <a:rPr lang="en-US" dirty="0"/>
+              <a:t>Data Format - ASCII</a:t>
+            </a:r>
           </a:p>
         </p:txBody>
       </p:sp>
@@ -4160,21 +4474,70 @@
         </p:nvSpPr>
         <p:spPr>
           <a:xfrm>
-            <a:off x="1097280" y="1737359"/>
-            <a:ext cx="10058400" cy="4585381"/>
+            <a:off x="1097280" y="1737361"/>
+            <a:ext cx="10058400" cy="4596532"/>
           </a:xfrm>
         </p:spPr>
         <p:txBody>
           <a:bodyPr/>
           <a:lstStyle/>
           <a:p>
+            <a:pPr marL="0" indent="0">
+              <a:buNone/>
+            </a:pPr>
+            <a:r>
+              <a:rPr lang="en-US" dirty="0" smtClean="0"/>
+              <a:t>VISA Read Stop Conditions – When ANY condition is met</a:t>
+            </a:r>
+          </a:p>
+          <a:p>
+            <a:pPr marL="457200" indent="-457200">
+              <a:buFont typeface="+mj-lt"/>
+              <a:buAutoNum type="arabicPeriod"/>
+            </a:pPr>
+            <a:r>
+              <a:rPr lang="en-US" dirty="0" smtClean="0"/>
+              <a:t>Read the number of bytes commanded to read</a:t>
+            </a:r>
+          </a:p>
+          <a:p>
+            <a:pPr marL="457200" indent="-457200">
+              <a:buFont typeface="+mj-lt"/>
+              <a:buAutoNum type="arabicPeriod"/>
+            </a:pPr>
+            <a:r>
+              <a:rPr lang="en-US" dirty="0" smtClean="0"/>
+              <a:t>The termination character is read (if enabled)</a:t>
+            </a:r>
+          </a:p>
+          <a:p>
+            <a:pPr marL="457200" indent="-457200">
+              <a:buFont typeface="+mj-lt"/>
+              <a:buAutoNum type="arabicPeriod"/>
+            </a:pPr>
+            <a:r>
+              <a:rPr lang="en-US" dirty="0" smtClean="0"/>
+              <a:t>Neither condition is met within the timeout period (default 10 seconds)</a:t>
+            </a:r>
+            <a:endParaRPr lang="en-US" dirty="0"/>
+          </a:p>
+          <a:p>
+            <a:pPr marL="0" indent="0">
+              <a:buNone/>
+            </a:pPr>
+            <a:r>
+              <a:rPr lang="en-US" dirty="0" smtClean="0"/>
+              <a:t>Conclusion:</a:t>
+            </a:r>
+          </a:p>
+          <a:p>
             <a:pPr>
               <a:buFont typeface="Arial" panose="020B0604020202020204" pitchFamily="34" charset="0"/>
               <a:buChar char="•"/>
             </a:pPr>
             <a:r>
-              <a:rPr lang="en-US" dirty="0" smtClean="0"/>
-              <a:t>You need a hex editor/viewer to understand</a:t>
+              <a:rPr lang="en-US" dirty="0"/>
+              <a:t>Enable termination character (default on VISA Configure Serial Port)</a:t>
             </a:r>
           </a:p>
           <a:p>
@@ -4183,83 +4546,34 @@
               <a:buChar char="•"/>
             </a:pPr>
             <a:r>
-              <a:rPr lang="en-US" dirty="0" smtClean="0"/>
-              <a:t>The data protocol is essential to read the data properly</a:t>
-            </a:r>
-          </a:p>
-          <a:p>
-            <a:pPr>
-              <a:buFont typeface="Arial" panose="020B0604020202020204" pitchFamily="34" charset="0"/>
-              <a:buChar char="•"/>
-            </a:pPr>
-            <a:r>
-              <a:rPr lang="en-US" dirty="0" smtClean="0"/>
-              <a:t>Typical message frame:</a:t>
-            </a:r>
-          </a:p>
-          <a:p>
-            <a:pPr marL="457200" indent="-457200">
-              <a:buFont typeface="+mj-lt"/>
-              <a:buAutoNum type="arabicPeriod"/>
-            </a:pPr>
-            <a:r>
-              <a:rPr lang="en-US" dirty="0" smtClean="0"/>
-              <a:t>Start Byte – commonly 0x02 (Start of Text)</a:t>
-            </a:r>
-          </a:p>
-          <a:p>
-            <a:pPr marL="457200" indent="-457200">
-              <a:buFont typeface="+mj-lt"/>
-              <a:buAutoNum type="arabicPeriod"/>
-            </a:pPr>
-            <a:r>
-              <a:rPr lang="en-US" dirty="0" smtClean="0"/>
-              <a:t>Message ID – way to identify what the message is</a:t>
-            </a:r>
-          </a:p>
-          <a:p>
-            <a:pPr marL="457200" indent="-457200">
-              <a:buFont typeface="+mj-lt"/>
-              <a:buAutoNum type="arabicPeriod"/>
-            </a:pPr>
-            <a:r>
-              <a:rPr lang="en-US" dirty="0" smtClean="0"/>
-              <a:t>Data Size – number of bytes in the data, may also be defined by Message ID</a:t>
-            </a:r>
-          </a:p>
-          <a:p>
-            <a:pPr marL="457200" indent="-457200">
-              <a:buFont typeface="+mj-lt"/>
-              <a:buAutoNum type="arabicPeriod"/>
-            </a:pPr>
-            <a:r>
-              <a:rPr lang="en-US" dirty="0" smtClean="0"/>
-              <a:t>Data – to be interpreted based on Message ID</a:t>
-            </a:r>
-          </a:p>
-          <a:p>
-            <a:pPr marL="457200" indent="-457200">
-              <a:buFont typeface="+mj-lt"/>
-              <a:buAutoNum type="arabicPeriod"/>
-            </a:pPr>
-            <a:r>
-              <a:rPr lang="en-US" dirty="0" smtClean="0"/>
-              <a:t>Checksum or CRC – ensure data was correct</a:t>
-            </a:r>
-          </a:p>
-          <a:p>
-            <a:pPr marL="457200" indent="-457200">
-              <a:buFont typeface="+mj-lt"/>
-              <a:buAutoNum type="arabicPeriod"/>
+              <a:rPr lang="en-US" dirty="0"/>
+              <a:t>Read more bytes than you expect in a single message</a:t>
+            </a:r>
+          </a:p>
+          <a:p>
+            <a:pPr marL="0" indent="0">
+              <a:buNone/>
             </a:pPr>
             <a:endParaRPr lang="en-US" dirty="0" smtClean="0"/>
+          </a:p>
+          <a:p>
+            <a:pPr marL="0" indent="0">
+              <a:buNone/>
+            </a:pPr>
+            <a:endParaRPr lang="en-US" dirty="0" smtClean="0"/>
+          </a:p>
+          <a:p>
+            <a:pPr marL="0" indent="0">
+              <a:buNone/>
+            </a:pPr>
+            <a:endParaRPr lang="en-US" dirty="0"/>
           </a:p>
         </p:txBody>
       </p:sp>
     </p:spTree>
     <p:extLst>
       <p:ext uri="{BB962C8B-B14F-4D97-AF65-F5344CB8AC3E}">
-        <p14:creationId xmlns:p14="http://schemas.microsoft.com/office/powerpoint/2010/main" val="3463936242"/>
+        <p14:creationId xmlns:p14="http://schemas.microsoft.com/office/powerpoint/2010/main" val="3646357881"/>
       </p:ext>
     </p:extLst>
   </p:cSld>
